--- a/user guide.pptx
+++ b/user guide.pptx
@@ -5,7 +5,7 @@
     <p:sldMasterId id="2147483648" r:id="rId1"/>
   </p:sldMasterIdLst>
   <p:notesMasterIdLst>
-    <p:notesMasterId r:id="rId14"/>
+    <p:notesMasterId r:id="rId16"/>
   </p:notesMasterIdLst>
   <p:sldIdLst>
     <p:sldId id="259" r:id="rId2"/>
@@ -20,6 +20,8 @@
     <p:sldId id="367" r:id="rId11"/>
     <p:sldId id="369" r:id="rId12"/>
     <p:sldId id="370" r:id="rId13"/>
+    <p:sldId id="371" r:id="rId14"/>
+    <p:sldId id="372" r:id="rId15"/>
   </p:sldIdLst>
   <p:sldSz cx="12192000" cy="6858000"/>
   <p:notesSz cx="6858000" cy="9144000"/>
@@ -806,6 +808,176 @@
     <p:extLst>
       <p:ext uri="{BB962C8B-B14F-4D97-AF65-F5344CB8AC3E}">
         <p14:creationId xmlns:p14="http://schemas.microsoft.com/office/powerpoint/2010/main" val="1045674808"/>
+      </p:ext>
+    </p:extLst>
+  </p:cSld>
+  <p:clrMapOvr>
+    <a:masterClrMapping/>
+  </p:clrMapOvr>
+</p:notes>
+</file>
+
+<file path=ppt/notesSlides/notesSlide13.xml><?xml version="1.0" encoding="utf-8"?>
+<p:notes xmlns:a="http://schemas.openxmlformats.org/drawingml/2006/main" xmlns:r="http://schemas.openxmlformats.org/officeDocument/2006/relationships" xmlns:p="http://schemas.openxmlformats.org/presentationml/2006/main">
+  <p:cSld>
+    <p:spTree>
+      <p:nvGrpSpPr>
+        <p:cNvPr id="1" name=""/>
+        <p:cNvGrpSpPr/>
+        <p:nvPr/>
+      </p:nvGrpSpPr>
+      <p:grpSpPr>
+        <a:xfrm>
+          <a:off x="0" y="0"/>
+          <a:ext cx="0" cy="0"/>
+          <a:chOff x="0" y="0"/>
+          <a:chExt cx="0" cy="0"/>
+        </a:xfrm>
+      </p:grpSpPr>
+      <p:sp>
+        <p:nvSpPr>
+          <p:cNvPr id="2" name="幻灯片图像占位符 1"/>
+          <p:cNvSpPr>
+            <a:spLocks noGrp="1" noRot="1" noChangeAspect="1"/>
+          </p:cNvSpPr>
+          <p:nvPr>
+            <p:ph type="sldImg"/>
+          </p:nvPr>
+        </p:nvSpPr>
+        <p:spPr/>
+      </p:sp>
+      <p:sp>
+        <p:nvSpPr>
+          <p:cNvPr id="3" name="备注占位符 2"/>
+          <p:cNvSpPr>
+            <a:spLocks noGrp="1"/>
+          </p:cNvSpPr>
+          <p:nvPr>
+            <p:ph type="body" idx="1"/>
+          </p:nvPr>
+        </p:nvSpPr>
+        <p:spPr/>
+        <p:txBody>
+          <a:bodyPr/>
+          <a:lstStyle/>
+          <a:p>
+            <a:endParaRPr lang="zh-CN" altLang="en-US"/>
+          </a:p>
+        </p:txBody>
+      </p:sp>
+      <p:sp>
+        <p:nvSpPr>
+          <p:cNvPr id="4" name="灯片编号占位符 3"/>
+          <p:cNvSpPr>
+            <a:spLocks noGrp="1"/>
+          </p:cNvSpPr>
+          <p:nvPr>
+            <p:ph type="sldNum" sz="quarter" idx="10"/>
+          </p:nvPr>
+        </p:nvSpPr>
+        <p:spPr/>
+        <p:txBody>
+          <a:bodyPr/>
+          <a:lstStyle/>
+          <a:p>
+            <a:fld id="{095D0C05-D1F4-4D23-BDF0-C1C9ABA03E33}" type="slidenum">
+              <a:rPr lang="zh-CN" altLang="en-US" smtClean="0"/>
+              <a:pPr/>
+              <a:t>13</a:t>
+            </a:fld>
+            <a:endParaRPr lang="zh-CN" altLang="en-US"/>
+          </a:p>
+        </p:txBody>
+      </p:sp>
+    </p:spTree>
+    <p:extLst>
+      <p:ext uri="{BB962C8B-B14F-4D97-AF65-F5344CB8AC3E}">
+        <p14:creationId xmlns:p14="http://schemas.microsoft.com/office/powerpoint/2010/main" val="2363912646"/>
+      </p:ext>
+    </p:extLst>
+  </p:cSld>
+  <p:clrMapOvr>
+    <a:masterClrMapping/>
+  </p:clrMapOvr>
+</p:notes>
+</file>
+
+<file path=ppt/notesSlides/notesSlide14.xml><?xml version="1.0" encoding="utf-8"?>
+<p:notes xmlns:a="http://schemas.openxmlformats.org/drawingml/2006/main" xmlns:r="http://schemas.openxmlformats.org/officeDocument/2006/relationships" xmlns:p="http://schemas.openxmlformats.org/presentationml/2006/main">
+  <p:cSld>
+    <p:spTree>
+      <p:nvGrpSpPr>
+        <p:cNvPr id="1" name=""/>
+        <p:cNvGrpSpPr/>
+        <p:nvPr/>
+      </p:nvGrpSpPr>
+      <p:grpSpPr>
+        <a:xfrm>
+          <a:off x="0" y="0"/>
+          <a:ext cx="0" cy="0"/>
+          <a:chOff x="0" y="0"/>
+          <a:chExt cx="0" cy="0"/>
+        </a:xfrm>
+      </p:grpSpPr>
+      <p:sp>
+        <p:nvSpPr>
+          <p:cNvPr id="2" name="幻灯片图像占位符 1"/>
+          <p:cNvSpPr>
+            <a:spLocks noGrp="1" noRot="1" noChangeAspect="1"/>
+          </p:cNvSpPr>
+          <p:nvPr>
+            <p:ph type="sldImg"/>
+          </p:nvPr>
+        </p:nvSpPr>
+        <p:spPr/>
+      </p:sp>
+      <p:sp>
+        <p:nvSpPr>
+          <p:cNvPr id="3" name="备注占位符 2"/>
+          <p:cNvSpPr>
+            <a:spLocks noGrp="1"/>
+          </p:cNvSpPr>
+          <p:nvPr>
+            <p:ph type="body" idx="1"/>
+          </p:nvPr>
+        </p:nvSpPr>
+        <p:spPr/>
+        <p:txBody>
+          <a:bodyPr/>
+          <a:lstStyle/>
+          <a:p>
+            <a:endParaRPr lang="zh-CN" altLang="en-US"/>
+          </a:p>
+        </p:txBody>
+      </p:sp>
+      <p:sp>
+        <p:nvSpPr>
+          <p:cNvPr id="4" name="灯片编号占位符 3"/>
+          <p:cNvSpPr>
+            <a:spLocks noGrp="1"/>
+          </p:cNvSpPr>
+          <p:nvPr>
+            <p:ph type="sldNum" sz="quarter" idx="10"/>
+          </p:nvPr>
+        </p:nvSpPr>
+        <p:spPr/>
+        <p:txBody>
+          <a:bodyPr/>
+          <a:lstStyle/>
+          <a:p>
+            <a:fld id="{4A4E2E4E-2FFD-4B0E-BE9C-FA7BDC09154E}" type="slidenum">
+              <a:rPr lang="zh-CN" altLang="en-US" smtClean="0"/>
+              <a:pPr/>
+              <a:t>14</a:t>
+            </a:fld>
+            <a:endParaRPr lang="zh-CN" altLang="en-US"/>
+          </a:p>
+        </p:txBody>
+      </p:sp>
+    </p:spTree>
+    <p:extLst>
+      <p:ext uri="{BB962C8B-B14F-4D97-AF65-F5344CB8AC3E}">
+        <p14:creationId xmlns:p14="http://schemas.microsoft.com/office/powerpoint/2010/main" val="2259696207"/>
       </p:ext>
     </p:extLst>
   </p:cSld>
@@ -5625,6 +5797,393 @@
     <p:extLst>
       <p:ext uri="{BB962C8B-B14F-4D97-AF65-F5344CB8AC3E}">
         <p14:creationId xmlns:p14="http://schemas.microsoft.com/office/powerpoint/2010/main" val="604098156"/>
+      </p:ext>
+    </p:extLst>
+  </p:cSld>
+  <p:clrMapOvr>
+    <a:masterClrMapping/>
+  </p:clrMapOvr>
+  <mc:AlternateContent xmlns:mc="http://schemas.openxmlformats.org/markup-compatibility/2006" xmlns:p14="http://schemas.microsoft.com/office/powerpoint/2010/main">
+    <mc:Choice Requires="p14">
+      <p:transition spd="slow" p14:dur="2000" advTm="0"/>
+    </mc:Choice>
+    <mc:Fallback xmlns="">
+      <p:transition spd="slow" advTm="0"/>
+    </mc:Fallback>
+  </mc:AlternateContent>
+</p:sld>
+</file>
+
+<file path=ppt/slides/slide13.xml><?xml version="1.0" encoding="utf-8"?>
+<p:sld xmlns:a="http://schemas.openxmlformats.org/drawingml/2006/main" xmlns:r="http://schemas.openxmlformats.org/officeDocument/2006/relationships" xmlns:p="http://schemas.openxmlformats.org/presentationml/2006/main">
+  <p:cSld>
+    <p:spTree>
+      <p:nvGrpSpPr>
+        <p:cNvPr id="1" name=""/>
+        <p:cNvGrpSpPr/>
+        <p:nvPr/>
+      </p:nvGrpSpPr>
+      <p:grpSpPr>
+        <a:xfrm>
+          <a:off x="0" y="0"/>
+          <a:ext cx="0" cy="0"/>
+          <a:chOff x="0" y="0"/>
+          <a:chExt cx="0" cy="0"/>
+        </a:xfrm>
+      </p:grpSpPr>
+      <p:sp>
+        <p:nvSpPr>
+          <p:cNvPr id="2" name="矩形 1"/>
+          <p:cNvSpPr/>
+          <p:nvPr/>
+        </p:nvSpPr>
+        <p:spPr>
+          <a:xfrm>
+            <a:off x="0" y="2468893"/>
+            <a:ext cx="4304715" cy="1584000"/>
+          </a:xfrm>
+          <a:prstGeom prst="rect">
+            <a:avLst/>
+          </a:prstGeom>
+          <a:solidFill>
+            <a:srgbClr val="112F70"/>
+          </a:solidFill>
+          <a:ln>
+            <a:noFill/>
+          </a:ln>
+        </p:spPr>
+        <p:style>
+          <a:lnRef idx="2">
+            <a:schemeClr val="accent1">
+              <a:shade val="50000"/>
+            </a:schemeClr>
+          </a:lnRef>
+          <a:fillRef idx="1">
+            <a:schemeClr val="accent1"/>
+          </a:fillRef>
+          <a:effectRef idx="0">
+            <a:schemeClr val="accent1"/>
+          </a:effectRef>
+          <a:fontRef idx="minor">
+            <a:schemeClr val="lt1"/>
+          </a:fontRef>
+        </p:style>
+        <p:txBody>
+          <a:bodyPr lIns="91440" tIns="45720" rIns="91440" bIns="45720" rtlCol="0" anchor="ctr"/>
+          <a:lstStyle/>
+          <a:p>
+            <a:pPr algn="ctr"/>
+            <a:endParaRPr lang="zh-CN" altLang="en-US" sz="2400" dirty="0"/>
+          </a:p>
+        </p:txBody>
+      </p:sp>
+      <p:sp>
+        <p:nvSpPr>
+          <p:cNvPr id="11" name="矩形 10"/>
+          <p:cNvSpPr/>
+          <p:nvPr/>
+        </p:nvSpPr>
+        <p:spPr>
+          <a:xfrm>
+            <a:off x="4403189" y="2468893"/>
+            <a:ext cx="407963" cy="1584000"/>
+          </a:xfrm>
+          <a:prstGeom prst="rect">
+            <a:avLst/>
+          </a:prstGeom>
+          <a:solidFill>
+            <a:srgbClr val="112F70"/>
+          </a:solidFill>
+          <a:ln>
+            <a:noFill/>
+          </a:ln>
+        </p:spPr>
+        <p:style>
+          <a:lnRef idx="2">
+            <a:schemeClr val="accent1">
+              <a:shade val="50000"/>
+            </a:schemeClr>
+          </a:lnRef>
+          <a:fillRef idx="1">
+            <a:schemeClr val="accent1"/>
+          </a:fillRef>
+          <a:effectRef idx="0">
+            <a:schemeClr val="accent1"/>
+          </a:effectRef>
+          <a:fontRef idx="minor">
+            <a:schemeClr val="lt1"/>
+          </a:fontRef>
+        </p:style>
+        <p:txBody>
+          <a:bodyPr rot="0" spcFirstLastPara="0" vertOverflow="overflow" horzOverflow="overflow" vert="horz" wrap="square" lIns="91440" tIns="45720" rIns="91440" bIns="45720" numCol="1" spcCol="0" rtlCol="0" fromWordArt="0" anchor="ctr" anchorCtr="0" forceAA="0" compatLnSpc="1">
+            <a:prstTxWarp prst="textNoShape">
+              <a:avLst/>
+            </a:prstTxWarp>
+            <a:noAutofit/>
+          </a:bodyPr>
+          <a:lstStyle/>
+          <a:p>
+            <a:pPr algn="ctr"/>
+            <a:endParaRPr lang="zh-CN" altLang="en-US" sz="2400" dirty="0"/>
+          </a:p>
+        </p:txBody>
+      </p:sp>
+      <p:sp>
+        <p:nvSpPr>
+          <p:cNvPr id="13" name="文本框 12"/>
+          <p:cNvSpPr txBox="1"/>
+          <p:nvPr/>
+        </p:nvSpPr>
+        <p:spPr>
+          <a:xfrm>
+            <a:off x="5519937" y="2756926"/>
+            <a:ext cx="1553630" cy="913007"/>
+          </a:xfrm>
+          <a:prstGeom prst="rect">
+            <a:avLst/>
+          </a:prstGeom>
+          <a:noFill/>
+        </p:spPr>
+        <p:txBody>
+          <a:bodyPr wrap="none" lIns="91440" tIns="45720" rIns="91440" bIns="45720" rtlCol="0">
+            <a:spAutoFit/>
+          </a:bodyPr>
+          <a:lstStyle/>
+          <a:p>
+            <a:r>
+              <a:rPr lang="zh-CN" altLang="en-US" sz="5333" b="1" dirty="0">
+                <a:solidFill>
+                  <a:srgbClr val="112F70"/>
+                </a:solidFill>
+                <a:latin typeface="微软雅黑" panose="020B0503020204020204" pitchFamily="34" charset="-122"/>
+                <a:ea typeface="微软雅黑" panose="020B0503020204020204" pitchFamily="34" charset="-122"/>
+              </a:rPr>
+              <a:t>注意</a:t>
+            </a:r>
+          </a:p>
+        </p:txBody>
+      </p:sp>
+    </p:spTree>
+    <p:extLst>
+      <p:ext uri="{BB962C8B-B14F-4D97-AF65-F5344CB8AC3E}">
+        <p14:creationId xmlns:p14="http://schemas.microsoft.com/office/powerpoint/2010/main" val="2516177190"/>
+      </p:ext>
+    </p:extLst>
+  </p:cSld>
+  <p:clrMapOvr>
+    <a:masterClrMapping/>
+  </p:clrMapOvr>
+  <mc:AlternateContent xmlns:mc="http://schemas.openxmlformats.org/markup-compatibility/2006" xmlns:p14="http://schemas.microsoft.com/office/powerpoint/2010/main">
+    <mc:Choice Requires="p14">
+      <p:transition spd="slow" p14:dur="2000" advTm="0"/>
+    </mc:Choice>
+    <mc:Fallback xmlns="">
+      <p:transition spd="slow" advTm="0"/>
+    </mc:Fallback>
+  </mc:AlternateContent>
+</p:sld>
+</file>
+
+<file path=ppt/slides/slide14.xml><?xml version="1.0" encoding="utf-8"?>
+<p:sld xmlns:a="http://schemas.openxmlformats.org/drawingml/2006/main" xmlns:r="http://schemas.openxmlformats.org/officeDocument/2006/relationships" xmlns:p="http://schemas.openxmlformats.org/presentationml/2006/main">
+  <p:cSld>
+    <p:spTree>
+      <p:nvGrpSpPr>
+        <p:cNvPr id="1" name=""/>
+        <p:cNvGrpSpPr/>
+        <p:nvPr/>
+      </p:nvGrpSpPr>
+      <p:grpSpPr>
+        <a:xfrm>
+          <a:off x="0" y="0"/>
+          <a:ext cx="0" cy="0"/>
+          <a:chOff x="0" y="0"/>
+          <a:chExt cx="0" cy="0"/>
+        </a:xfrm>
+      </p:grpSpPr>
+      <p:sp>
+        <p:nvSpPr>
+          <p:cNvPr id="71" name="文本框 70"/>
+          <p:cNvSpPr txBox="1"/>
+          <p:nvPr/>
+        </p:nvSpPr>
+        <p:spPr>
+          <a:xfrm>
+            <a:off x="335360" y="260648"/>
+            <a:ext cx="6912768" cy="454292"/>
+          </a:xfrm>
+          <a:prstGeom prst="rect">
+            <a:avLst/>
+          </a:prstGeom>
+          <a:noFill/>
+        </p:spPr>
+        <p:txBody>
+          <a:bodyPr wrap="square" rtlCol="0">
+            <a:spAutoFit/>
+          </a:bodyPr>
+          <a:lstStyle/>
+          <a:p>
+            <a:r>
+              <a:rPr lang="zh-CN" altLang="en-US" sz="2352" b="1" dirty="0">
+                <a:solidFill>
+                  <a:srgbClr val="112F70"/>
+                </a:solidFill>
+                <a:latin typeface="微软雅黑" charset="0"/>
+                <a:ea typeface="微软雅黑" charset="0"/>
+                <a:sym typeface="+mn-ea"/>
+              </a:rPr>
+              <a:t>注意</a:t>
+            </a:r>
+          </a:p>
+        </p:txBody>
+      </p:sp>
+      <p:sp>
+        <p:nvSpPr>
+          <p:cNvPr id="72" name="矩形 71"/>
+          <p:cNvSpPr/>
+          <p:nvPr/>
+        </p:nvSpPr>
+        <p:spPr>
+          <a:xfrm>
+            <a:off x="143340" y="260648"/>
+            <a:ext cx="116985" cy="463584"/>
+          </a:xfrm>
+          <a:prstGeom prst="rect">
+            <a:avLst/>
+          </a:prstGeom>
+          <a:solidFill>
+            <a:srgbClr val="112F70"/>
+          </a:solidFill>
+          <a:ln>
+            <a:noFill/>
+          </a:ln>
+        </p:spPr>
+        <p:style>
+          <a:lnRef idx="2">
+            <a:schemeClr val="accent1">
+              <a:shade val="50000"/>
+            </a:schemeClr>
+          </a:lnRef>
+          <a:fillRef idx="1">
+            <a:schemeClr val="accent1"/>
+          </a:fillRef>
+          <a:effectRef idx="0">
+            <a:schemeClr val="accent1"/>
+          </a:effectRef>
+          <a:fontRef idx="minor">
+            <a:schemeClr val="lt1"/>
+          </a:fontRef>
+        </p:style>
+        <p:txBody>
+          <a:bodyPr rtlCol="0" anchor="ctr"/>
+          <a:lstStyle/>
+          <a:p>
+            <a:pPr algn="ctr"/>
+            <a:endParaRPr lang="zh-CN" altLang="en-US" sz="1300" b="1"/>
+          </a:p>
+        </p:txBody>
+      </p:sp>
+      <p:sp>
+        <p:nvSpPr>
+          <p:cNvPr id="73" name="矩形 72"/>
+          <p:cNvSpPr/>
+          <p:nvPr/>
+        </p:nvSpPr>
+        <p:spPr>
+          <a:xfrm>
+            <a:off x="281481" y="260648"/>
+            <a:ext cx="95828" cy="463584"/>
+          </a:xfrm>
+          <a:prstGeom prst="rect">
+            <a:avLst/>
+          </a:prstGeom>
+          <a:solidFill>
+            <a:srgbClr val="112F70"/>
+          </a:solidFill>
+          <a:ln>
+            <a:noFill/>
+          </a:ln>
+        </p:spPr>
+        <p:style>
+          <a:lnRef idx="2">
+            <a:schemeClr val="accent1">
+              <a:shade val="50000"/>
+            </a:schemeClr>
+          </a:lnRef>
+          <a:fillRef idx="1">
+            <a:schemeClr val="accent1"/>
+          </a:fillRef>
+          <a:effectRef idx="0">
+            <a:schemeClr val="accent1"/>
+          </a:effectRef>
+          <a:fontRef idx="minor">
+            <a:schemeClr val="lt1"/>
+          </a:fontRef>
+        </p:style>
+        <p:txBody>
+          <a:bodyPr rtlCol="0" anchor="ctr"/>
+          <a:lstStyle/>
+          <a:p>
+            <a:pPr algn="ctr"/>
+            <a:endParaRPr lang="zh-CN" altLang="en-US" sz="1300" b="1"/>
+          </a:p>
+        </p:txBody>
+      </p:sp>
+      <p:sp>
+        <p:nvSpPr>
+          <p:cNvPr id="4" name="矩形 3">
+            <a:extLst>
+              <a:ext uri="{FF2B5EF4-FFF2-40B4-BE49-F238E27FC236}">
+                <a16:creationId xmlns:a16="http://schemas.microsoft.com/office/drawing/2014/main" id="{76A4D7CA-A828-4A89-861E-D7B40F747E2E}"/>
+              </a:ext>
+            </a:extLst>
+          </p:cNvPr>
+          <p:cNvSpPr/>
+          <p:nvPr/>
+        </p:nvSpPr>
+        <p:spPr>
+          <a:xfrm>
+            <a:off x="431371" y="937778"/>
+            <a:ext cx="10657184" cy="379656"/>
+          </a:xfrm>
+          <a:prstGeom prst="rect">
+            <a:avLst/>
+          </a:prstGeom>
+        </p:spPr>
+        <p:txBody>
+          <a:bodyPr wrap="square">
+            <a:spAutoFit/>
+          </a:bodyPr>
+          <a:lstStyle/>
+          <a:p>
+            <a:r>
+              <a:rPr lang="zh-CN" altLang="en-US" sz="1867" dirty="0"/>
+              <a:t>程序添加了</a:t>
+            </a:r>
+            <a:r>
+              <a:rPr lang="en-US" altLang="zh-CN" sz="1867" dirty="0"/>
+              <a:t>3</a:t>
+            </a:r>
+            <a:r>
+              <a:rPr lang="zh-CN" altLang="en-US" sz="1867" dirty="0"/>
+              <a:t>个引用，分别为</a:t>
+            </a:r>
+            <a:r>
+              <a:rPr lang="en-US" altLang="zh-CN" sz="1867" dirty="0"/>
+              <a:t>dual.dll;MWArray.dll;simple.dll</a:t>
+            </a:r>
+            <a:r>
+              <a:rPr lang="zh-CN" altLang="en-US" sz="1867" dirty="0"/>
+              <a:t>，如需要查看代码，请注意重新添加引用</a:t>
+            </a:r>
+            <a:endParaRPr lang="zh-CN" altLang="zh-CN" sz="1867" dirty="0"/>
+          </a:p>
+        </p:txBody>
+      </p:sp>
+    </p:spTree>
+    <p:extLst>
+      <p:ext uri="{BB962C8B-B14F-4D97-AF65-F5344CB8AC3E}">
+        <p14:creationId xmlns:p14="http://schemas.microsoft.com/office/powerpoint/2010/main" val="3053150308"/>
       </p:ext>
     </p:extLst>
   </p:cSld>
